--- a/Tienda_electronica (1).pptx
+++ b/Tienda_electronica (1).pptx
@@ -5,10 +5,10 @@
     <p:sldMasterId id="2147483677" r:id="rId4"/>
   </p:sldMasterIdLst>
   <p:notesMasterIdLst>
-    <p:notesMasterId r:id="rId23"/>
+    <p:notesMasterId r:id="rId24"/>
   </p:notesMasterIdLst>
   <p:handoutMasterIdLst>
-    <p:handoutMasterId r:id="rId24"/>
+    <p:handoutMasterId r:id="rId25"/>
   </p:handoutMasterIdLst>
   <p:sldIdLst>
     <p:sldId id="256" r:id="rId5"/>
@@ -28,7 +28,8 @@
     <p:sldId id="290" r:id="rId19"/>
     <p:sldId id="291" r:id="rId20"/>
     <p:sldId id="292" r:id="rId21"/>
-    <p:sldId id="268" r:id="rId22"/>
+    <p:sldId id="297" r:id="rId22"/>
+    <p:sldId id="296" r:id="rId23"/>
   </p:sldIdLst>
   <p:sldSz cx="12192000" cy="6858000"/>
   <p:notesSz cx="6858000" cy="9144000"/>
@@ -1462,7 +1463,7 @@
     </p:spTree>
     <p:extLst>
       <p:ext uri="{BB962C8B-B14F-4D97-AF65-F5344CB8AC3E}">
-        <p14:creationId xmlns:p14="http://schemas.microsoft.com/office/powerpoint/2010/main" val="147783104"/>
+        <p14:creationId xmlns:p14="http://schemas.microsoft.com/office/powerpoint/2010/main" val="203436475"/>
       </p:ext>
     </p:extLst>
   </p:cSld>
@@ -31380,10 +31381,10 @@
       </p:grpSpPr>
       <p:sp>
         <p:nvSpPr>
-          <p:cNvPr id="2" name="Título 1">
+          <p:cNvPr id="4" name="Título 3">
             <a:extLst>
               <a:ext uri="{FF2B5EF4-FFF2-40B4-BE49-F238E27FC236}">
-                <a16:creationId xmlns:a16="http://schemas.microsoft.com/office/drawing/2014/main" id="{632BE5BF-9922-45FB-8F3F-4446D40A051B}"/>
+                <a16:creationId xmlns:a16="http://schemas.microsoft.com/office/drawing/2014/main" id="{315E3981-F0D7-482C-A8E0-6A57700BECA7}"/>
               </a:ext>
             </a:extLst>
           </p:cNvPr>
@@ -31391,35 +31392,184 @@
             <a:spLocks noGrp="1"/>
           </p:cNvSpPr>
           <p:nvPr>
-            <p:ph type="ctrTitle"/>
+            <p:ph type="title"/>
           </p:nvPr>
         </p:nvSpPr>
-        <p:spPr/>
+        <p:spPr>
+          <a:xfrm>
+            <a:off x="241300" y="1506530"/>
+            <a:ext cx="11214100" cy="535531"/>
+          </a:xfrm>
+        </p:spPr>
         <p:txBody>
           <a:bodyPr rtlCol="0"/>
           <a:lstStyle/>
           <a:p>
             <a:pPr rtl="0"/>
             <a:r>
-              <a:rPr lang="es-ES"/>
-              <a:t>Gracias</a:t>
+              <a:rPr lang="es-ES" dirty="0" smtClean="0"/>
+              <a:t>Link de la pagina</a:t>
             </a:r>
+            <a:endParaRPr lang="es-ES" dirty="0"/>
+          </a:p>
+        </p:txBody>
+      </p:sp>
+      <p:sp>
+        <p:nvSpPr>
+          <p:cNvPr id="2" name="Marcador de número de diapositiva 1">
+            <a:extLst>
+              <a:ext uri="{FF2B5EF4-FFF2-40B4-BE49-F238E27FC236}">
+                <a16:creationId xmlns:a16="http://schemas.microsoft.com/office/drawing/2014/main" id="{CC1F11E7-EDE5-4119-BA64-4FC57C285D19}"/>
+              </a:ext>
+            </a:extLst>
+          </p:cNvPr>
+          <p:cNvSpPr>
+            <a:spLocks noGrp="1"/>
+          </p:cNvSpPr>
+          <p:nvPr>
+            <p:ph type="sldNum" sz="quarter" idx="12"/>
+          </p:nvPr>
+        </p:nvSpPr>
+        <p:spPr/>
+        <p:txBody>
+          <a:bodyPr rtlCol="0"/>
+          <a:lstStyle/>
+          <a:p>
+            <a:pPr rtl="0"/>
+            <a:fld id="{C263D6C4-4840-40CC-AC84-17E24B3B7BDE}" type="slidenum">
+              <a:rPr lang="es-ES" smtClean="0"/>
+              <a:pPr rtl="0"/>
+              <a:t>18</a:t>
+            </a:fld>
+            <a:endParaRPr lang="es-ES"/>
+          </a:p>
+        </p:txBody>
+      </p:sp>
+      <p:sp>
+        <p:nvSpPr>
+          <p:cNvPr id="34" name="Rectángulo 33">
+            <a:extLst>
+              <a:ext uri="{FF2B5EF4-FFF2-40B4-BE49-F238E27FC236}">
+                <a16:creationId xmlns:a16="http://schemas.microsoft.com/office/drawing/2014/main" id="{9A96686D-A88E-79FE-A8B7-F5CBCDF8989E}"/>
+              </a:ext>
+            </a:extLst>
+          </p:cNvPr>
+          <p:cNvSpPr/>
+          <p:nvPr/>
+        </p:nvSpPr>
+        <p:spPr>
+          <a:xfrm>
+            <a:off x="791736" y="3724507"/>
+            <a:ext cx="10866863" cy="156117"/>
+          </a:xfrm>
+          <a:prstGeom prst="rect">
+            <a:avLst/>
+          </a:prstGeom>
+          <a:solidFill>
+            <a:schemeClr val="accent1">
+              <a:lumMod val="50000"/>
+            </a:schemeClr>
+          </a:solidFill>
+          <a:ln>
+            <a:noFill/>
+          </a:ln>
+        </p:spPr>
+        <p:style>
+          <a:lnRef idx="2">
+            <a:schemeClr val="accent1">
+              <a:shade val="50000"/>
+            </a:schemeClr>
+          </a:lnRef>
+          <a:fillRef idx="1">
+            <a:schemeClr val="accent1"/>
+          </a:fillRef>
+          <a:effectRef idx="0">
+            <a:schemeClr val="accent1"/>
+          </a:effectRef>
+          <a:fontRef idx="minor">
+            <a:schemeClr val="lt1"/>
+          </a:fontRef>
+        </p:style>
+        <p:txBody>
+          <a:bodyPr rtlCol="0" anchor="ctr"/>
+          <a:lstStyle/>
+          <a:p>
+            <a:pPr algn="ctr"/>
+            <a:endParaRPr lang="es-EC"/>
+          </a:p>
+        </p:txBody>
+      </p:sp>
+      <p:sp>
+        <p:nvSpPr>
+          <p:cNvPr id="7" name="Marcador de texto 6">
+            <a:extLst>
+              <a:ext uri="{FF2B5EF4-FFF2-40B4-BE49-F238E27FC236}">
+                <a16:creationId xmlns:a16="http://schemas.microsoft.com/office/drawing/2014/main" id="{BC4AD0B2-E303-A875-065A-BB2A72E3EBE4}"/>
+              </a:ext>
+            </a:extLst>
+          </p:cNvPr>
+          <p:cNvSpPr>
+            <a:spLocks noGrp="1"/>
+          </p:cNvSpPr>
+          <p:nvPr>
+            <p:ph type="body" sz="quarter" idx="20"/>
+          </p:nvPr>
+        </p:nvSpPr>
+        <p:spPr>
+          <a:xfrm>
+            <a:off x="2573383" y="2445678"/>
+            <a:ext cx="3553097" cy="875212"/>
+          </a:xfrm>
+        </p:spPr>
+        <p:txBody>
+          <a:bodyPr/>
+          <a:lstStyle/>
+          <a:p>
+            <a:pPr algn="just">
+              <a:lnSpc>
+                <a:spcPct val="150000"/>
+              </a:lnSpc>
+              <a:spcAft>
+                <a:spcPts val="600"/>
+              </a:spcAft>
+            </a:pPr>
+            <a:r>
+              <a:rPr lang="es-EC" sz="2400" cap="none" dirty="0">
+                <a:latin typeface="Times New Roman" panose="02020603050405020304" pitchFamily="18" charset="0"/>
+                <a:ea typeface="Times New Roman" panose="02020603050405020304" pitchFamily="18" charset="0"/>
+              </a:rPr>
+              <a:t>http://132.145.16.235:3001/</a:t>
+            </a:r>
+            <a:endParaRPr lang="es-EC" sz="2400" cap="none" dirty="0">
+              <a:effectLst/>
+              <a:latin typeface="Times New Roman" panose="02020603050405020304" pitchFamily="18" charset="0"/>
+              <a:ea typeface="Times New Roman" panose="02020603050405020304" pitchFamily="18" charset="0"/>
+            </a:endParaRPr>
           </a:p>
         </p:txBody>
       </p:sp>
     </p:spTree>
     <p:extLst>
       <p:ext uri="{BB962C8B-B14F-4D97-AF65-F5344CB8AC3E}">
-        <p14:creationId xmlns:p14="http://schemas.microsoft.com/office/powerpoint/2010/main" val="44069682"/>
+        <p14:creationId xmlns:p14="http://schemas.microsoft.com/office/powerpoint/2010/main" val="195183892"/>
       </p:ext>
     </p:extLst>
   </p:cSld>
   <p:clrMapOvr>
     <a:masterClrMapping/>
   </p:clrMapOvr>
-  <p:transition spd="slow">
-    <p:wipe/>
-  </p:transition>
+  <mc:AlternateContent xmlns:mc="http://schemas.openxmlformats.org/markup-compatibility/2006" xmlns:p14="http://schemas.microsoft.com/office/powerpoint/2010/main">
+    <mc:Choice Requires="p14">
+      <p:transition spd="med" p14:dur="700">
+        <p:fade/>
+      </p:transition>
+    </mc:Choice>
+    <mc:Fallback xmlns="">
+      <p:transition spd="med">
+        <p:fade/>
+      </p:transition>
+    </mc:Fallback>
+  </mc:AlternateContent>
   <p:timing>
     <p:tnLst>
       <p:par>
@@ -31427,6 +31577,55 @@
       </p:par>
     </p:tnLst>
   </p:timing>
+</p:sld>
+</file>
+
+<file path=ppt/slides/slide19.xml><?xml version="1.0" encoding="utf-8"?>
+<p:sld xmlns:a="http://schemas.openxmlformats.org/drawingml/2006/main" xmlns:r="http://schemas.openxmlformats.org/officeDocument/2006/relationships" xmlns:p="http://schemas.openxmlformats.org/presentationml/2006/main">
+  <p:cSld>
+    <p:spTree>
+      <p:nvGrpSpPr>
+        <p:cNvPr id="1" name=""/>
+        <p:cNvGrpSpPr/>
+        <p:nvPr/>
+      </p:nvGrpSpPr>
+      <p:grpSpPr>
+        <a:xfrm>
+          <a:off x="0" y="0"/>
+          <a:ext cx="0" cy="0"/>
+          <a:chOff x="0" y="0"/>
+          <a:chExt cx="0" cy="0"/>
+        </a:xfrm>
+      </p:grpSpPr>
+      <p:sp>
+        <p:nvSpPr>
+          <p:cNvPr id="2" name="Título 1"/>
+          <p:cNvSpPr>
+            <a:spLocks noGrp="1"/>
+          </p:cNvSpPr>
+          <p:nvPr>
+            <p:ph type="ctrTitle"/>
+          </p:nvPr>
+        </p:nvSpPr>
+        <p:spPr/>
+        <p:txBody>
+          <a:bodyPr/>
+          <a:lstStyle/>
+          <a:p>
+            <a:endParaRPr lang="es-EC" dirty="0"/>
+          </a:p>
+        </p:txBody>
+      </p:sp>
+    </p:spTree>
+    <p:extLst>
+      <p:ext uri="{BB962C8B-B14F-4D97-AF65-F5344CB8AC3E}">
+        <p14:creationId xmlns:p14="http://schemas.microsoft.com/office/powerpoint/2010/main" val="927141596"/>
+      </p:ext>
+    </p:extLst>
+  </p:cSld>
+  <p:clrMapOvr>
+    <a:masterClrMapping/>
+  </p:clrMapOvr>
 </p:sld>
 </file>
 
@@ -34684,6 +34883,24 @@
 </file>
 
 <file path=customXml/item1.xml><?xml version="1.0" encoding="utf-8"?>
+<?mso-contentType ?>
+<FormTemplates xmlns="http://schemas.microsoft.com/sharepoint/v3/contenttype/forms">
+  <Display>DocumentLibraryForm</Display>
+  <Edit>DocumentLibraryForm</Edit>
+  <New>DocumentLibraryForm</New>
+</FormTemplates>
+</file>
+
+<file path=customXml/item2.xml><?xml version="1.0" encoding="utf-8"?>
+<p:properties xmlns:p="http://schemas.microsoft.com/office/2006/metadata/properties" xmlns:xsi="http://www.w3.org/2001/XMLSchema-instance" xmlns:pc="http://schemas.microsoft.com/office/infopath/2007/PartnerControls">
+  <documentManagement>
+    <_ip_UnifiedCompliancePolicyUIAction xmlns="http://schemas.microsoft.com/sharepoint/v3" xsi:nil="true"/>
+    <_ip_UnifiedCompliancePolicyProperties xmlns="http://schemas.microsoft.com/sharepoint/v3" xsi:nil="true"/>
+  </documentManagement>
+</p:properties>
+</file>
+
+<file path=customXml/item3.xml><?xml version="1.0" encoding="utf-8"?>
 <ct:contentTypeSchema xmlns:ct="http://schemas.microsoft.com/office/2006/metadata/contentType" xmlns:ma="http://schemas.microsoft.com/office/2006/metadata/properties/metaAttributes" ct:_="" ma:_="" ma:contentTypeName="Document" ma:contentTypeID="0x010100DEEA25CC0A0AC24199CDC46C25B8B0BC" ma:contentTypeVersion="10" ma:contentTypeDescription="Create a new document." ma:contentTypeScope="" ma:versionID="e3b47856d4cf355c0dacb39e1084d14f">
   <xsd:schema xmlns:xsd="http://www.w3.org/2001/XMLSchema" xmlns:xs="http://www.w3.org/2001/XMLSchema" xmlns:p="http://schemas.microsoft.com/office/2006/metadata/properties" xmlns:ns1="http://schemas.microsoft.com/sharepoint/v3" xmlns:ns2="6dc4bcd6-49db-4c07-9060-8acfc67cef9f" xmlns:ns3="fb0879af-3eba-417a-a55a-ffe6dcd6ca77" targetNamespace="http://schemas.microsoft.com/office/2006/metadata/properties" ma:root="true" ma:fieldsID="a845a615265fdb1f7b12cc65ac20ecbd" ns1:_="" ns2:_="" ns3:_="">
     <xsd:import namespace="http://schemas.microsoft.com/sharepoint/v3"/>
@@ -34891,25 +35108,33 @@
 </ct:contentTypeSchema>
 </file>
 
-<file path=customXml/item2.xml><?xml version="1.0" encoding="utf-8"?>
-<p:properties xmlns:p="http://schemas.microsoft.com/office/2006/metadata/properties" xmlns:xsi="http://www.w3.org/2001/XMLSchema-instance" xmlns:pc="http://schemas.microsoft.com/office/infopath/2007/PartnerControls">
-  <documentManagement>
-    <_ip_UnifiedCompliancePolicyUIAction xmlns="http://schemas.microsoft.com/sharepoint/v3" xsi:nil="true"/>
-    <_ip_UnifiedCompliancePolicyProperties xmlns="http://schemas.microsoft.com/sharepoint/v3" xsi:nil="true"/>
-  </documentManagement>
-</p:properties>
+<file path=customXml/itemProps1.xml><?xml version="1.0" encoding="utf-8"?>
+<ds:datastoreItem xmlns:ds="http://schemas.openxmlformats.org/officeDocument/2006/customXml" ds:itemID="{8A95DE24-D6C3-4A00-9085-D9594C193AE1}">
+  <ds:schemaRefs>
+    <ds:schemaRef ds:uri="http://schemas.microsoft.com/sharepoint/v3/contenttype/forms"/>
+  </ds:schemaRefs>
+</ds:datastoreItem>
 </file>
 
-<file path=customXml/item3.xml><?xml version="1.0" encoding="utf-8"?>
-<?mso-contentType ?>
-<FormTemplates xmlns="http://schemas.microsoft.com/sharepoint/v3/contenttype/forms">
-  <Display>DocumentLibraryForm</Display>
-  <Edit>DocumentLibraryForm</Edit>
-  <New>DocumentLibraryForm</New>
-</FormTemplates>
+<file path=customXml/itemProps2.xml><?xml version="1.0" encoding="utf-8"?>
+<ds:datastoreItem xmlns:ds="http://schemas.openxmlformats.org/officeDocument/2006/customXml" ds:itemID="{F8992231-163D-4428-A2B8-DA1FE0274129}">
+  <ds:schemaRefs>
+    <ds:schemaRef ds:uri="http://schemas.microsoft.com/office/2006/metadata/properties"/>
+    <ds:schemaRef ds:uri="http://schemas.microsoft.com/office/2006/documentManagement/types"/>
+    <ds:schemaRef ds:uri="http://purl.org/dc/elements/1.1/"/>
+    <ds:schemaRef ds:uri="6dc4bcd6-49db-4c07-9060-8acfc67cef9f"/>
+    <ds:schemaRef ds:uri="http://purl.org/dc/terms/"/>
+    <ds:schemaRef ds:uri="http://www.w3.org/XML/1998/namespace"/>
+    <ds:schemaRef ds:uri="http://schemas.microsoft.com/office/infopath/2007/PartnerControls"/>
+    <ds:schemaRef ds:uri="http://schemas.openxmlformats.org/package/2006/metadata/core-properties"/>
+    <ds:schemaRef ds:uri="fb0879af-3eba-417a-a55a-ffe6dcd6ca77"/>
+    <ds:schemaRef ds:uri="http://schemas.microsoft.com/sharepoint/v3"/>
+    <ds:schemaRef ds:uri="http://purl.org/dc/dcmitype/"/>
+  </ds:schemaRefs>
+</ds:datastoreItem>
 </file>
 
-<file path=customXml/itemProps1.xml><?xml version="1.0" encoding="utf-8"?>
+<file path=customXml/itemProps3.xml><?xml version="1.0" encoding="utf-8"?>
 <ds:datastoreItem xmlns:ds="http://schemas.openxmlformats.org/officeDocument/2006/customXml" ds:itemID="{6B67ACAB-C3DC-429D-A23C-0723C084FEE5}">
   <ds:schemaRefs>
     <ds:schemaRef ds:uri="http://schemas.microsoft.com/office/2006/metadata/contentType"/>
@@ -34927,30 +35152,4 @@
     <ds:schemaRef ds:uri="http://schemas.microsoft.com/internal/obd"/>
   </ds:schemaRefs>
 </ds:datastoreItem>
-</file>
-
-<file path=customXml/itemProps2.xml><?xml version="1.0" encoding="utf-8"?>
-<ds:datastoreItem xmlns:ds="http://schemas.openxmlformats.org/officeDocument/2006/customXml" ds:itemID="{F8992231-163D-4428-A2B8-DA1FE0274129}">
-  <ds:schemaRefs>
-    <ds:schemaRef ds:uri="http://purl.org/dc/dcmitype/"/>
-    <ds:schemaRef ds:uri="http://purl.org/dc/elements/1.1/"/>
-    <ds:schemaRef ds:uri="http://schemas.microsoft.com/office/2006/documentManagement/types"/>
-    <ds:schemaRef ds:uri="http://schemas.microsoft.com/office/2006/metadata/properties"/>
-    <ds:schemaRef ds:uri="http://schemas.microsoft.com/office/infopath/2007/PartnerControls"/>
-    <ds:schemaRef ds:uri="http://www.w3.org/XML/1998/namespace"/>
-    <ds:schemaRef ds:uri="http://schemas.openxmlformats.org/package/2006/metadata/core-properties"/>
-    <ds:schemaRef ds:uri="fb0879af-3eba-417a-a55a-ffe6dcd6ca77"/>
-    <ds:schemaRef ds:uri="6dc4bcd6-49db-4c07-9060-8acfc67cef9f"/>
-    <ds:schemaRef ds:uri="http://schemas.microsoft.com/sharepoint/v3"/>
-    <ds:schemaRef ds:uri="http://purl.org/dc/terms/"/>
-  </ds:schemaRefs>
-</ds:datastoreItem>
-</file>
-
-<file path=customXml/itemProps3.xml><?xml version="1.0" encoding="utf-8"?>
-<ds:datastoreItem xmlns:ds="http://schemas.openxmlformats.org/officeDocument/2006/customXml" ds:itemID="{8A95DE24-D6C3-4A00-9085-D9594C193AE1}">
-  <ds:schemaRefs>
-    <ds:schemaRef ds:uri="http://schemas.microsoft.com/sharepoint/v3/contenttype/forms"/>
-  </ds:schemaRefs>
-</ds:datastoreItem>
 </file>